--- a/presentations/2021-01-27/figures/JDR_bidirectional_diagram.pptx
+++ b/presentations/2021-01-27/figures/JDR_bidirectional_diagram.pptx
@@ -259,7 +259,7 @@
           <a:p>
             <a:fld id="{993B1FC0-FF0F-1E47-9DEC-1DBA5B0AF0DB}" type="datetimeFigureOut">
               <a:rPr lang="en-US" smtClean="0"/>
-              <a:t>1/26/22</a:t>
+              <a:t>1/27/22</a:t>
             </a:fld>
             <a:endParaRPr lang="en-US"/>
           </a:p>
@@ -457,7 +457,7 @@
           <a:p>
             <a:fld id="{993B1FC0-FF0F-1E47-9DEC-1DBA5B0AF0DB}" type="datetimeFigureOut">
               <a:rPr lang="en-US" smtClean="0"/>
-              <a:t>1/26/22</a:t>
+              <a:t>1/27/22</a:t>
             </a:fld>
             <a:endParaRPr lang="en-US"/>
           </a:p>
@@ -665,7 +665,7 @@
           <a:p>
             <a:fld id="{993B1FC0-FF0F-1E47-9DEC-1DBA5B0AF0DB}" type="datetimeFigureOut">
               <a:rPr lang="en-US" smtClean="0"/>
-              <a:t>1/26/22</a:t>
+              <a:t>1/27/22</a:t>
             </a:fld>
             <a:endParaRPr lang="en-US"/>
           </a:p>
@@ -863,7 +863,7 @@
           <a:p>
             <a:fld id="{993B1FC0-FF0F-1E47-9DEC-1DBA5B0AF0DB}" type="datetimeFigureOut">
               <a:rPr lang="en-US" smtClean="0"/>
-              <a:t>1/26/22</a:t>
+              <a:t>1/27/22</a:t>
             </a:fld>
             <a:endParaRPr lang="en-US"/>
           </a:p>
@@ -1138,7 +1138,7 @@
           <a:p>
             <a:fld id="{993B1FC0-FF0F-1E47-9DEC-1DBA5B0AF0DB}" type="datetimeFigureOut">
               <a:rPr lang="en-US" smtClean="0"/>
-              <a:t>1/26/22</a:t>
+              <a:t>1/27/22</a:t>
             </a:fld>
             <a:endParaRPr lang="en-US"/>
           </a:p>
@@ -1403,7 +1403,7 @@
           <a:p>
             <a:fld id="{993B1FC0-FF0F-1E47-9DEC-1DBA5B0AF0DB}" type="datetimeFigureOut">
               <a:rPr lang="en-US" smtClean="0"/>
-              <a:t>1/26/22</a:t>
+              <a:t>1/27/22</a:t>
             </a:fld>
             <a:endParaRPr lang="en-US"/>
           </a:p>
@@ -1815,7 +1815,7 @@
           <a:p>
             <a:fld id="{993B1FC0-FF0F-1E47-9DEC-1DBA5B0AF0DB}" type="datetimeFigureOut">
               <a:rPr lang="en-US" smtClean="0"/>
-              <a:t>1/26/22</a:t>
+              <a:t>1/27/22</a:t>
             </a:fld>
             <a:endParaRPr lang="en-US"/>
           </a:p>
@@ -1956,7 +1956,7 @@
           <a:p>
             <a:fld id="{993B1FC0-FF0F-1E47-9DEC-1DBA5B0AF0DB}" type="datetimeFigureOut">
               <a:rPr lang="en-US" smtClean="0"/>
-              <a:t>1/26/22</a:t>
+              <a:t>1/27/22</a:t>
             </a:fld>
             <a:endParaRPr lang="en-US"/>
           </a:p>
@@ -2069,7 +2069,7 @@
           <a:p>
             <a:fld id="{993B1FC0-FF0F-1E47-9DEC-1DBA5B0AF0DB}" type="datetimeFigureOut">
               <a:rPr lang="en-US" smtClean="0"/>
-              <a:t>1/26/22</a:t>
+              <a:t>1/27/22</a:t>
             </a:fld>
             <a:endParaRPr lang="en-US"/>
           </a:p>
@@ -2380,7 +2380,7 @@
           <a:p>
             <a:fld id="{993B1FC0-FF0F-1E47-9DEC-1DBA5B0AF0DB}" type="datetimeFigureOut">
               <a:rPr lang="en-US" smtClean="0"/>
-              <a:t>1/26/22</a:t>
+              <a:t>1/27/22</a:t>
             </a:fld>
             <a:endParaRPr lang="en-US"/>
           </a:p>
@@ -2668,7 +2668,7 @@
           <a:p>
             <a:fld id="{993B1FC0-FF0F-1E47-9DEC-1DBA5B0AF0DB}" type="datetimeFigureOut">
               <a:rPr lang="en-US" smtClean="0"/>
-              <a:t>1/26/22</a:t>
+              <a:t>1/27/22</a:t>
             </a:fld>
             <a:endParaRPr lang="en-US"/>
           </a:p>
@@ -2909,7 +2909,7 @@
           <a:p>
             <a:fld id="{993B1FC0-FF0F-1E47-9DEC-1DBA5B0AF0DB}" type="datetimeFigureOut">
               <a:rPr lang="en-US" smtClean="0"/>
-              <a:t>1/26/22</a:t>
+              <a:t>1/27/22</a:t>
             </a:fld>
             <a:endParaRPr lang="en-US"/>
           </a:p>
@@ -3469,15 +3469,15 @@
               <a:rPr lang="en-US" sz="2400" i="1" dirty="0">
                 <a:latin typeface="Helvetica" pitchFamily="2" charset="0"/>
               </a:rPr>
-              <a:t>l = loss</a:t>
-            </a:r>
-          </a:p>
-          <a:p>
-            <a:r>
-              <a:rPr lang="en-US" sz="2400" i="1" dirty="0">
+              <a:t>h = home</a:t>
+            </a:r>
+          </a:p>
+          <a:p>
+            <a:r>
+              <a:rPr lang="en-US" sz="2400" i="1">
                 <a:latin typeface="Helvetica" pitchFamily="2" charset="0"/>
               </a:rPr>
-              <a:t>h = home</a:t>
+              <a:t>l = loss</a:t>
             </a:r>
           </a:p>
         </p:txBody>
@@ -6983,8 +6983,8 @@
         </p:nvSpPr>
         <p:spPr>
           <a:xfrm>
-            <a:off x="11188129" y="1425460"/>
-            <a:ext cx="821382" cy="369332"/>
+            <a:off x="11067587" y="1120519"/>
+            <a:ext cx="821382" cy="923330"/>
           </a:xfrm>
           <a:prstGeom prst="rect">
             <a:avLst/>
@@ -6998,10 +6998,16 @@
           <a:lstStyle/>
           <a:p>
             <a:r>
+              <a:rPr lang="en-US" dirty="0">
+                <a:latin typeface="Helvetica" pitchFamily="2" charset="0"/>
+              </a:rPr>
+              <a:t>To </a:t>
+            </a:r>
+            <a:r>
               <a:rPr lang="en-US" dirty="0" err="1">
                 <a:latin typeface="Helvetica" pitchFamily="2" charset="0"/>
               </a:rPr>
-              <a:t>Etc</a:t>
+              <a:t>WEL,Etc</a:t>
             </a:r>
             <a:r>
               <a:rPr lang="en-US" dirty="0">
